--- a/og_template.pptx
+++ b/og_template.pptx
@@ -2857,7 +2857,7 @@
           </a:ln>
           <a:extLst>
             <a:ext uri="{C572A759-6A51-4108-AA02-DFA0A04FC94B}">
-              <ma14:wrappingTextBoxFlag xmlns="" xmlns:m="http://schemas.openxmlformats.org/officeDocument/2006/math" xmlns:a14="http://schemas.microsoft.com/office/drawing/2010/main" xmlns:ma14="http://schemas.microsoft.com/office/mac/drawingml/2011/main" val="1"/>
+              <ma14:wrappingTextBoxFlag xmlns:ma14="http://schemas.microsoft.com/office/mac/drawingml/2011/main" xmlns:a14="http://schemas.microsoft.com/office/drawing/2010/main" xmlns:m="http://schemas.openxmlformats.org/officeDocument/2006/math" xmlns="" val="1"/>
             </a:ext>
           </a:extLst>
         </p:spPr>
@@ -2896,7 +2896,7 @@
           </a:ln>
           <a:extLst>
             <a:ext uri="{C572A759-6A51-4108-AA02-DFA0A04FC94B}">
-              <ma14:wrappingTextBoxFlag xmlns="" xmlns:m="http://schemas.openxmlformats.org/officeDocument/2006/math" xmlns:a14="http://schemas.microsoft.com/office/drawing/2010/main" xmlns:ma14="http://schemas.microsoft.com/office/mac/drawingml/2011/main" val="1"/>
+              <ma14:wrappingTextBoxFlag xmlns:ma14="http://schemas.microsoft.com/office/mac/drawingml/2011/main" xmlns:a14="http://schemas.microsoft.com/office/drawing/2010/main" xmlns:m="http://schemas.openxmlformats.org/officeDocument/2006/math" xmlns="" val="1"/>
             </a:ext>
           </a:extLst>
         </p:spPr>
@@ -3749,7 +3749,7 @@
           </a:ln>
           <a:extLst>
             <a:ext uri="{C572A759-6A51-4108-AA02-DFA0A04FC94B}">
-              <ma14:wrappingTextBoxFlag xmlns="" xmlns:m="http://schemas.openxmlformats.org/officeDocument/2006/math" xmlns:a14="http://schemas.microsoft.com/office/drawing/2010/main" xmlns:ma14="http://schemas.microsoft.com/office/mac/drawingml/2011/main" val="1"/>
+              <ma14:wrappingTextBoxFlag xmlns:ma14="http://schemas.microsoft.com/office/mac/drawingml/2011/main" xmlns:a14="http://schemas.microsoft.com/office/drawing/2010/main" xmlns:m="http://schemas.openxmlformats.org/officeDocument/2006/math" xmlns="" val="1"/>
             </a:ext>
           </a:extLst>
         </p:spPr>
@@ -3788,7 +3788,14 @@
               <a:t> </a:t>
             </a:r>
             <a:r>
-              <a:rPr sz="7200" dirty="0" err="1">
+              <a:rPr lang="ko-KR" altLang="en-US" sz="7200">
+                <a:latin typeface="Outfit Medium" pitchFamily="2" charset="0"/>
+                <a:ea typeface="Apple SD Gothic Neo" panose="02000300000000000000" pitchFamily="2" charset="-127"/>
+              </a:rPr>
+              <a:t>기술 </a:t>
+            </a:r>
+            <a:r>
+              <a:rPr sz="7200">
                 <a:latin typeface="Outfit Medium" pitchFamily="2" charset="0"/>
                 <a:ea typeface="Apple SD Gothic Neo" panose="02000300000000000000" pitchFamily="2" charset="-127"/>
               </a:rPr>
